--- a/Final Project Quora (MLops)/Quora Question Pair Similarity/Project PPT.pptx
+++ b/Final Project Quora (MLops)/Quora Question Pair Similarity/Project PPT.pptx
@@ -132,6 +132,22 @@
       </a:defRPr>
     </a:lvl9pPr>
   </p:defaultTextStyle>
+  <p:extLst>
+    <p:ext uri="{EFAFB233-063F-42B5-8137-9DF3F51BA10A}">
+      <p15:sldGuideLst xmlns:p15="http://schemas.microsoft.com/office/powerpoint/2012/main">
+        <p15:guide id="1" orient="horz" pos="2160">
+          <p15:clr>
+            <a:srgbClr val="A4A3A4"/>
+          </p15:clr>
+        </p15:guide>
+        <p15:guide id="2" pos="2880">
+          <p15:clr>
+            <a:srgbClr val="A4A3A4"/>
+          </p15:clr>
+        </p15:guide>
+      </p15:sldGuideLst>
+    </p:ext>
+  </p:extLst>
 </p:presentation>
 </file>
 
@@ -288,7 +304,7 @@
           </a:lstStyle>
           <a:p>
             <a:r>
-              <a:rPr lang="en-US" smtClean="0"/>
+              <a:rPr lang="en-US"/>
               <a:t>Click to edit Master subtitle style</a:t>
             </a:r>
             <a:endParaRPr lang="en-US" dirty="0"/>
@@ -316,7 +332,7 @@
           <a:lstStyle/>
           <a:p>
             <a:r>
-              <a:rPr lang="en-US" smtClean="0"/>
+              <a:rPr lang="en-US"/>
               <a:t>Click to edit Master title style</a:t>
             </a:r>
             <a:endParaRPr lang="en-US" dirty="0"/>
@@ -345,7 +361,7 @@
           <a:p>
             <a:fld id="{39F36CA6-E391-41F0-95CD-79A87C1710AC}" type="datetimeFigureOut">
               <a:rPr lang="en-IN" smtClean="0"/>
-              <a:t>01-11-2022</a:t>
+              <a:t>18-11-2022</a:t>
             </a:fld>
             <a:endParaRPr lang="en-IN"/>
           </a:p>
@@ -412,13 +428,6 @@
   <p:clrMapOvr>
     <a:masterClrMapping/>
   </p:clrMapOvr>
-  <p:timing>
-    <p:tnLst>
-      <p:par>
-        <p:cTn id="1" dur="indefinite" restart="never" nodeType="tmRoot"/>
-      </p:par>
-    </p:tnLst>
-  </p:timing>
 </p:sldLayout>
 </file>
 
@@ -455,10 +464,9 @@
           <a:lstStyle/>
           <a:p>
             <a:r>
-              <a:rPr lang="en-US" smtClean="0"/>
+              <a:rPr lang="en-US"/>
               <a:t>Click to edit Master title style</a:t>
             </a:r>
-            <a:endParaRPr lang="en-US"/>
           </a:p>
         </p:txBody>
       </p:sp>
@@ -479,35 +487,35 @@
           <a:p>
             <a:pPr lvl="0"/>
             <a:r>
-              <a:rPr lang="en-US" smtClean="0"/>
+              <a:rPr lang="en-US"/>
               <a:t>Click to edit Master text styles</a:t>
             </a:r>
           </a:p>
           <a:p>
             <a:pPr lvl="1"/>
             <a:r>
-              <a:rPr lang="en-US" smtClean="0"/>
+              <a:rPr lang="en-US"/>
               <a:t>Second level</a:t>
             </a:r>
           </a:p>
           <a:p>
             <a:pPr lvl="2"/>
             <a:r>
-              <a:rPr lang="en-US" smtClean="0"/>
+              <a:rPr lang="en-US"/>
               <a:t>Third level</a:t>
             </a:r>
           </a:p>
           <a:p>
             <a:pPr lvl="3"/>
             <a:r>
-              <a:rPr lang="en-US" smtClean="0"/>
+              <a:rPr lang="en-US"/>
               <a:t>Fourth level</a:t>
             </a:r>
           </a:p>
           <a:p>
             <a:pPr lvl="4"/>
             <a:r>
-              <a:rPr lang="en-US" smtClean="0"/>
+              <a:rPr lang="en-US"/>
               <a:t>Fifth level</a:t>
             </a:r>
             <a:endParaRPr lang="en-US" dirty="0"/>
@@ -531,7 +539,7 @@
           <a:p>
             <a:fld id="{39F36CA6-E391-41F0-95CD-79A87C1710AC}" type="datetimeFigureOut">
               <a:rPr lang="en-IN" smtClean="0"/>
-              <a:t>01-11-2022</a:t>
+              <a:t>18-11-2022</a:t>
             </a:fld>
             <a:endParaRPr lang="en-IN"/>
           </a:p>
@@ -584,13 +592,6 @@
   <p:clrMapOvr>
     <a:masterClrMapping/>
   </p:clrMapOvr>
-  <p:timing>
-    <p:tnLst>
-      <p:par>
-        <p:cTn id="1" dur="indefinite" restart="never" nodeType="tmRoot"/>
-      </p:par>
-    </p:tnLst>
-  </p:timing>
 </p:sldLayout>
 </file>
 
@@ -632,10 +633,9 @@
           <a:lstStyle/>
           <a:p>
             <a:r>
-              <a:rPr lang="en-US" smtClean="0"/>
+              <a:rPr lang="en-US"/>
               <a:t>Click to edit Master title style</a:t>
             </a:r>
-            <a:endParaRPr lang="en-US"/>
           </a:p>
         </p:txBody>
       </p:sp>
@@ -661,35 +661,35 @@
           <a:p>
             <a:pPr lvl="0"/>
             <a:r>
-              <a:rPr lang="en-US" smtClean="0"/>
+              <a:rPr lang="en-US"/>
               <a:t>Click to edit Master text styles</a:t>
             </a:r>
           </a:p>
           <a:p>
             <a:pPr lvl="1"/>
             <a:r>
-              <a:rPr lang="en-US" smtClean="0"/>
+              <a:rPr lang="en-US"/>
               <a:t>Second level</a:t>
             </a:r>
           </a:p>
           <a:p>
             <a:pPr lvl="2"/>
             <a:r>
-              <a:rPr lang="en-US" smtClean="0"/>
+              <a:rPr lang="en-US"/>
               <a:t>Third level</a:t>
             </a:r>
           </a:p>
           <a:p>
             <a:pPr lvl="3"/>
             <a:r>
-              <a:rPr lang="en-US" smtClean="0"/>
+              <a:rPr lang="en-US"/>
               <a:t>Fourth level</a:t>
             </a:r>
           </a:p>
           <a:p>
             <a:pPr lvl="4"/>
             <a:r>
-              <a:rPr lang="en-US" smtClean="0"/>
+              <a:rPr lang="en-US"/>
               <a:t>Fifth level</a:t>
             </a:r>
             <a:endParaRPr lang="en-US" dirty="0"/>
@@ -713,7 +713,7 @@
           <a:p>
             <a:fld id="{39F36CA6-E391-41F0-95CD-79A87C1710AC}" type="datetimeFigureOut">
               <a:rPr lang="en-IN" smtClean="0"/>
-              <a:t>01-11-2022</a:t>
+              <a:t>18-11-2022</a:t>
             </a:fld>
             <a:endParaRPr lang="en-IN"/>
           </a:p>
@@ -766,13 +766,6 @@
   <p:clrMapOvr>
     <a:masterClrMapping/>
   </p:clrMapOvr>
-  <p:timing>
-    <p:tnLst>
-      <p:par>
-        <p:cTn id="1" dur="indefinite" restart="never" nodeType="tmRoot"/>
-      </p:par>
-    </p:tnLst>
-  </p:timing>
 </p:sldLayout>
 </file>
 
@@ -831,35 +824,35 @@
           <a:p>
             <a:pPr lvl="0"/>
             <a:r>
-              <a:rPr lang="en-US" smtClean="0"/>
+              <a:rPr lang="en-US"/>
               <a:t>Click to edit Master text styles</a:t>
             </a:r>
           </a:p>
           <a:p>
             <a:pPr lvl="1"/>
             <a:r>
-              <a:rPr lang="en-US" smtClean="0"/>
+              <a:rPr lang="en-US"/>
               <a:t>Second level</a:t>
             </a:r>
           </a:p>
           <a:p>
             <a:pPr lvl="2"/>
             <a:r>
-              <a:rPr lang="en-US" smtClean="0"/>
+              <a:rPr lang="en-US"/>
               <a:t>Third level</a:t>
             </a:r>
           </a:p>
           <a:p>
             <a:pPr lvl="3"/>
             <a:r>
-              <a:rPr lang="en-US" smtClean="0"/>
+              <a:rPr lang="en-US"/>
               <a:t>Fourth level</a:t>
             </a:r>
           </a:p>
           <a:p>
             <a:pPr lvl="4"/>
             <a:r>
-              <a:rPr lang="en-US" smtClean="0"/>
+              <a:rPr lang="en-US"/>
               <a:t>Fifth level</a:t>
             </a:r>
             <a:endParaRPr lang="en-US" dirty="0"/>
@@ -882,10 +875,9 @@
           <a:lstStyle/>
           <a:p>
             <a:r>
-              <a:rPr lang="en-US" smtClean="0"/>
+              <a:rPr lang="en-US"/>
               <a:t>Click to edit Master title style</a:t>
             </a:r>
-            <a:endParaRPr lang="en-US"/>
           </a:p>
         </p:txBody>
       </p:sp>
@@ -906,7 +898,7 @@
           <a:p>
             <a:fld id="{39F36CA6-E391-41F0-95CD-79A87C1710AC}" type="datetimeFigureOut">
               <a:rPr lang="en-IN" smtClean="0"/>
-              <a:t>01-11-2022</a:t>
+              <a:t>18-11-2022</a:t>
             </a:fld>
             <a:endParaRPr lang="en-IN"/>
           </a:p>
@@ -959,13 +951,6 @@
   <p:clrMapOvr>
     <a:masterClrMapping/>
   </p:clrMapOvr>
-  <p:timing>
-    <p:tnLst>
-      <p:par>
-        <p:cTn id="1" dur="indefinite" restart="never" nodeType="tmRoot"/>
-      </p:par>
-    </p:tnLst>
-  </p:timing>
 </p:sldLayout>
 </file>
 
@@ -1032,7 +1017,7 @@
           <a:p>
             <a:fld id="{39F36CA6-E391-41F0-95CD-79A87C1710AC}" type="datetimeFigureOut">
               <a:rPr lang="en-IN" smtClean="0"/>
-              <a:t>01-11-2022</a:t>
+              <a:t>18-11-2022</a:t>
             </a:fld>
             <a:endParaRPr lang="en-IN"/>
           </a:p>
@@ -1111,10 +1096,9 @@
           <a:lstStyle/>
           <a:p>
             <a:r>
-              <a:rPr lang="en-US" smtClean="0"/>
+              <a:rPr lang="en-US"/>
               <a:t>Click to edit Master title style</a:t>
             </a:r>
-            <a:endParaRPr lang="en-US"/>
           </a:p>
         </p:txBody>
       </p:sp>
@@ -1164,7 +1148,7 @@
           <a:p>
             <a:pPr lvl="0"/>
             <a:r>
-              <a:rPr lang="en-US" smtClean="0"/>
+              <a:rPr lang="en-US"/>
               <a:t>Click to edit Master text styles</a:t>
             </a:r>
           </a:p>
@@ -1175,13 +1159,6 @@
   <p:clrMapOvr>
     <a:masterClrMapping/>
   </p:clrMapOvr>
-  <p:timing>
-    <p:tnLst>
-      <p:par>
-        <p:cTn id="1" dur="indefinite" restart="never" nodeType="tmRoot"/>
-      </p:par>
-    </p:tnLst>
-  </p:timing>
 </p:sldLayout>
 </file>
 
@@ -1254,35 +1231,35 @@
           <a:p>
             <a:pPr lvl="0"/>
             <a:r>
-              <a:rPr lang="en-US" smtClean="0"/>
+              <a:rPr lang="en-US"/>
               <a:t>Click to edit Master text styles</a:t>
             </a:r>
           </a:p>
           <a:p>
             <a:pPr lvl="1"/>
             <a:r>
-              <a:rPr lang="en-US" smtClean="0"/>
+              <a:rPr lang="en-US"/>
               <a:t>Second level</a:t>
             </a:r>
           </a:p>
           <a:p>
             <a:pPr lvl="2"/>
             <a:r>
-              <a:rPr lang="en-US" smtClean="0"/>
+              <a:rPr lang="en-US"/>
               <a:t>Third level</a:t>
             </a:r>
           </a:p>
           <a:p>
             <a:pPr lvl="3"/>
             <a:r>
-              <a:rPr lang="en-US" smtClean="0"/>
+              <a:rPr lang="en-US"/>
               <a:t>Fourth level</a:t>
             </a:r>
           </a:p>
           <a:p>
             <a:pPr lvl="4"/>
             <a:r>
-              <a:rPr lang="en-US" smtClean="0"/>
+              <a:rPr lang="en-US"/>
               <a:t>Fifth level</a:t>
             </a:r>
             <a:endParaRPr lang="en-US" dirty="0"/>
@@ -1341,35 +1318,35 @@
           <a:p>
             <a:pPr lvl="0"/>
             <a:r>
-              <a:rPr lang="en-US" smtClean="0"/>
+              <a:rPr lang="en-US"/>
               <a:t>Click to edit Master text styles</a:t>
             </a:r>
           </a:p>
           <a:p>
             <a:pPr lvl="1"/>
             <a:r>
-              <a:rPr lang="en-US" smtClean="0"/>
+              <a:rPr lang="en-US"/>
               <a:t>Second level</a:t>
             </a:r>
           </a:p>
           <a:p>
             <a:pPr lvl="2"/>
             <a:r>
-              <a:rPr lang="en-US" smtClean="0"/>
+              <a:rPr lang="en-US"/>
               <a:t>Third level</a:t>
             </a:r>
           </a:p>
           <a:p>
             <a:pPr lvl="3"/>
             <a:r>
-              <a:rPr lang="en-US" smtClean="0"/>
+              <a:rPr lang="en-US"/>
               <a:t>Fourth level</a:t>
             </a:r>
           </a:p>
           <a:p>
             <a:pPr lvl="4"/>
             <a:r>
-              <a:rPr lang="en-US" smtClean="0"/>
+              <a:rPr lang="en-US"/>
               <a:t>Fifth level</a:t>
             </a:r>
             <a:endParaRPr lang="en-US" dirty="0"/>
@@ -1397,10 +1374,9 @@
           <a:lstStyle/>
           <a:p>
             <a:r>
-              <a:rPr lang="en-US" smtClean="0"/>
+              <a:rPr lang="en-US"/>
               <a:t>Click to edit Master title style</a:t>
             </a:r>
-            <a:endParaRPr lang="en-US"/>
           </a:p>
         </p:txBody>
       </p:sp>
@@ -1421,7 +1397,7 @@
           <a:p>
             <a:fld id="{39F36CA6-E391-41F0-95CD-79A87C1710AC}" type="datetimeFigureOut">
               <a:rPr lang="en-IN" smtClean="0"/>
-              <a:t>01-11-2022</a:t>
+              <a:t>18-11-2022</a:t>
             </a:fld>
             <a:endParaRPr lang="en-IN"/>
           </a:p>
@@ -1474,13 +1450,6 @@
   <p:clrMapOvr>
     <a:masterClrMapping/>
   </p:clrMapOvr>
-  <p:timing>
-    <p:tnLst>
-      <p:par>
-        <p:cTn id="1" dur="indefinite" restart="never" nodeType="tmRoot"/>
-      </p:par>
-    </p:tnLst>
-  </p:timing>
 </p:sldLayout>
 </file>
 
@@ -1566,7 +1535,7 @@
           <a:p>
             <a:pPr lvl="0"/>
             <a:r>
-              <a:rPr lang="en-US" smtClean="0"/>
+              <a:rPr lang="en-US"/>
               <a:t>Click to edit Master text styles</a:t>
             </a:r>
           </a:p>
@@ -1628,38 +1597,38 @@
           <a:p>
             <a:pPr lvl="0"/>
             <a:r>
-              <a:rPr lang="en-US" smtClean="0"/>
+              <a:rPr lang="en-US"/>
               <a:t>Click to edit Master text styles</a:t>
             </a:r>
           </a:p>
           <a:p>
             <a:pPr lvl="1"/>
             <a:r>
-              <a:rPr lang="en-US" smtClean="0"/>
+              <a:rPr lang="en-US"/>
               <a:t>Second level</a:t>
             </a:r>
           </a:p>
           <a:p>
             <a:pPr lvl="2"/>
             <a:r>
-              <a:rPr lang="en-US" smtClean="0"/>
+              <a:rPr lang="en-US"/>
               <a:t>Third level</a:t>
             </a:r>
           </a:p>
           <a:p>
             <a:pPr lvl="3"/>
             <a:r>
-              <a:rPr lang="en-US" smtClean="0"/>
+              <a:rPr lang="en-US"/>
               <a:t>Fourth level</a:t>
             </a:r>
           </a:p>
           <a:p>
             <a:pPr lvl="4"/>
             <a:r>
-              <a:rPr lang="en-US" smtClean="0"/>
+              <a:rPr lang="en-US"/>
               <a:t>Fifth level</a:t>
             </a:r>
-            <a:endParaRPr lang="en-US" dirty="0" smtClean="0"/>
+            <a:endParaRPr lang="en-US" dirty="0"/>
           </a:p>
         </p:txBody>
       </p:sp>
@@ -1728,7 +1697,7 @@
           <a:p>
             <a:pPr lvl="0"/>
             <a:r>
-              <a:rPr lang="en-US" smtClean="0"/>
+              <a:rPr lang="en-US"/>
               <a:t>Click to edit Master text styles</a:t>
             </a:r>
           </a:p>
@@ -1786,38 +1755,38 @@
           <a:p>
             <a:pPr lvl="0"/>
             <a:r>
-              <a:rPr lang="en-US" smtClean="0"/>
+              <a:rPr lang="en-US"/>
               <a:t>Click to edit Master text styles</a:t>
             </a:r>
           </a:p>
           <a:p>
             <a:pPr lvl="1"/>
             <a:r>
-              <a:rPr lang="en-US" smtClean="0"/>
+              <a:rPr lang="en-US"/>
               <a:t>Second level</a:t>
             </a:r>
           </a:p>
           <a:p>
             <a:pPr lvl="2"/>
             <a:r>
-              <a:rPr lang="en-US" smtClean="0"/>
+              <a:rPr lang="en-US"/>
               <a:t>Third level</a:t>
             </a:r>
           </a:p>
           <a:p>
             <a:pPr lvl="3"/>
             <a:r>
-              <a:rPr lang="en-US" smtClean="0"/>
+              <a:rPr lang="en-US"/>
               <a:t>Fourth level</a:t>
             </a:r>
           </a:p>
           <a:p>
             <a:pPr lvl="4"/>
             <a:r>
-              <a:rPr lang="en-US" smtClean="0"/>
+              <a:rPr lang="en-US"/>
               <a:t>Fifth level</a:t>
             </a:r>
-            <a:endParaRPr lang="en-US" dirty="0" smtClean="0"/>
+            <a:endParaRPr lang="en-US" dirty="0"/>
           </a:p>
         </p:txBody>
       </p:sp>
@@ -1842,10 +1811,9 @@
           <a:lstStyle/>
           <a:p>
             <a:r>
-              <a:rPr lang="en-US" smtClean="0"/>
+              <a:rPr lang="en-US"/>
               <a:t>Click to edit Master title style</a:t>
             </a:r>
-            <a:endParaRPr lang="en-US"/>
           </a:p>
         </p:txBody>
       </p:sp>
@@ -1866,7 +1834,7 @@
           <a:p>
             <a:fld id="{39F36CA6-E391-41F0-95CD-79A87C1710AC}" type="datetimeFigureOut">
               <a:rPr lang="en-IN" smtClean="0"/>
-              <a:t>01-11-2022</a:t>
+              <a:t>18-11-2022</a:t>
             </a:fld>
             <a:endParaRPr lang="en-IN"/>
           </a:p>
@@ -1919,13 +1887,6 @@
   <p:clrMapOvr>
     <a:masterClrMapping/>
   </p:clrMapOvr>
-  <p:timing>
-    <p:tnLst>
-      <p:par>
-        <p:cTn id="1" dur="indefinite" restart="never" nodeType="tmRoot"/>
-      </p:par>
-    </p:tnLst>
-  </p:timing>
 </p:sldLayout>
 </file>
 
@@ -1967,7 +1928,7 @@
           <a:lstStyle/>
           <a:p>
             <a:r>
-              <a:rPr lang="en-US" smtClean="0"/>
+              <a:rPr lang="en-US"/>
               <a:t>Click to edit Master title style</a:t>
             </a:r>
             <a:endParaRPr lang="en-US" dirty="0"/>
@@ -1991,7 +1952,7 @@
           <a:p>
             <a:fld id="{39F36CA6-E391-41F0-95CD-79A87C1710AC}" type="datetimeFigureOut">
               <a:rPr lang="en-IN" smtClean="0"/>
-              <a:t>01-11-2022</a:t>
+              <a:t>18-11-2022</a:t>
             </a:fld>
             <a:endParaRPr lang="en-IN"/>
           </a:p>
@@ -2044,13 +2005,6 @@
   <p:clrMapOvr>
     <a:masterClrMapping/>
   </p:clrMapOvr>
-  <p:timing>
-    <p:tnLst>
-      <p:par>
-        <p:cTn id="1" dur="indefinite" restart="never" nodeType="tmRoot"/>
-      </p:par>
-    </p:tnLst>
-  </p:timing>
 </p:sldLayout>
 </file>
 
@@ -2088,7 +2042,7 @@
           <a:p>
             <a:fld id="{39F36CA6-E391-41F0-95CD-79A87C1710AC}" type="datetimeFigureOut">
               <a:rPr lang="en-IN" smtClean="0"/>
-              <a:t>01-11-2022</a:t>
+              <a:t>18-11-2022</a:t>
             </a:fld>
             <a:endParaRPr lang="en-IN"/>
           </a:p>
@@ -2141,13 +2095,6 @@
   <p:clrMapOvr>
     <a:masterClrMapping/>
   </p:clrMapOvr>
-  <p:timing>
-    <p:tnLst>
-      <p:par>
-        <p:cTn id="1" dur="indefinite" restart="never" nodeType="tmRoot"/>
-      </p:par>
-    </p:tnLst>
-  </p:timing>
 </p:sldLayout>
 </file>
 
@@ -2197,7 +2144,7 @@
           </a:lstStyle>
           <a:p>
             <a:r>
-              <a:rPr lang="en-US" smtClean="0"/>
+              <a:rPr lang="en-US"/>
               <a:t>Click to edit Master title style</a:t>
             </a:r>
             <a:endParaRPr lang="en-US" dirty="0"/>
@@ -2256,38 +2203,38 @@
           <a:p>
             <a:pPr lvl="0"/>
             <a:r>
-              <a:rPr lang="en-US" smtClean="0"/>
+              <a:rPr lang="en-US"/>
               <a:t>Click to edit Master text styles</a:t>
             </a:r>
           </a:p>
           <a:p>
             <a:pPr lvl="1"/>
             <a:r>
-              <a:rPr lang="en-US" smtClean="0"/>
+              <a:rPr lang="en-US"/>
               <a:t>Second level</a:t>
             </a:r>
           </a:p>
           <a:p>
             <a:pPr lvl="2"/>
             <a:r>
-              <a:rPr lang="en-US" smtClean="0"/>
+              <a:rPr lang="en-US"/>
               <a:t>Third level</a:t>
             </a:r>
           </a:p>
           <a:p>
             <a:pPr lvl="3"/>
             <a:r>
-              <a:rPr lang="en-US" smtClean="0"/>
+              <a:rPr lang="en-US"/>
               <a:t>Fourth level</a:t>
             </a:r>
           </a:p>
           <a:p>
             <a:pPr lvl="4"/>
             <a:r>
-              <a:rPr lang="en-US" smtClean="0"/>
+              <a:rPr lang="en-US"/>
               <a:t>Fifth level</a:t>
             </a:r>
-            <a:endParaRPr lang="en-US" dirty="0" smtClean="0"/>
+            <a:endParaRPr lang="en-US" dirty="0"/>
           </a:p>
         </p:txBody>
       </p:sp>
@@ -2356,7 +2303,7 @@
           <a:p>
             <a:pPr lvl="0"/>
             <a:r>
-              <a:rPr lang="en-US" smtClean="0"/>
+              <a:rPr lang="en-US"/>
               <a:t>Click to edit Master text styles</a:t>
             </a:r>
           </a:p>
@@ -2379,7 +2326,7 @@
           <a:p>
             <a:fld id="{39F36CA6-E391-41F0-95CD-79A87C1710AC}" type="datetimeFigureOut">
               <a:rPr lang="en-IN" smtClean="0"/>
-              <a:t>01-11-2022</a:t>
+              <a:t>18-11-2022</a:t>
             </a:fld>
             <a:endParaRPr lang="en-IN"/>
           </a:p>
@@ -2432,13 +2379,6 @@
   <p:clrMapOvr>
     <a:masterClrMapping/>
   </p:clrMapOvr>
-  <p:timing>
-    <p:tnLst>
-      <p:par>
-        <p:cTn id="1" dur="indefinite" restart="never" nodeType="tmRoot"/>
-      </p:par>
-    </p:tnLst>
-  </p:timing>
 </p:sldLayout>
 </file>
 
@@ -2517,10 +2457,9 @@
           </a:lstStyle>
           <a:p>
             <a:r>
-              <a:rPr lang="en-US" smtClean="0"/>
+              <a:rPr lang="en-US"/>
               <a:t>Click icon to add picture</a:t>
             </a:r>
-            <a:endParaRPr lang="en-US"/>
           </a:p>
         </p:txBody>
       </p:sp>
@@ -2553,7 +2492,7 @@
           </a:lstStyle>
           <a:p>
             <a:r>
-              <a:rPr lang="en-US" smtClean="0"/>
+              <a:rPr lang="en-US"/>
               <a:t>Click to edit Master title style</a:t>
             </a:r>
             <a:endParaRPr lang="en-US" dirty="0"/>
@@ -2625,7 +2564,7 @@
           <a:p>
             <a:pPr lvl="0"/>
             <a:r>
-              <a:rPr lang="en-US" smtClean="0"/>
+              <a:rPr lang="en-US"/>
               <a:t>Click to edit Master text styles</a:t>
             </a:r>
           </a:p>
@@ -2648,7 +2587,7 @@
           <a:p>
             <a:fld id="{39F36CA6-E391-41F0-95CD-79A87C1710AC}" type="datetimeFigureOut">
               <a:rPr lang="en-IN" smtClean="0"/>
-              <a:t>01-11-2022</a:t>
+              <a:t>18-11-2022</a:t>
             </a:fld>
             <a:endParaRPr lang="en-IN"/>
           </a:p>
@@ -2701,13 +2640,6 @@
   <p:clrMapOvr>
     <a:masterClrMapping/>
   </p:clrMapOvr>
-  <p:timing>
-    <p:tnLst>
-      <p:par>
-        <p:cTn id="1" dur="indefinite" restart="never" nodeType="tmRoot"/>
-      </p:par>
-    </p:tnLst>
-  </p:timing>
 </p:sldLayout>
 </file>
 
@@ -2783,7 +2715,7 @@
           <a:lstStyle/>
           <a:p>
             <a:r>
-              <a:rPr lang="en-US" smtClean="0"/>
+              <a:rPr lang="en-US"/>
               <a:t>Click to edit Master title style</a:t>
             </a:r>
             <a:endParaRPr lang="en-US" dirty="0"/>
@@ -2817,35 +2749,35 @@
           <a:p>
             <a:pPr lvl="0"/>
             <a:r>
-              <a:rPr lang="en-US" smtClean="0"/>
+              <a:rPr lang="en-US"/>
               <a:t>Click to edit Master text styles</a:t>
             </a:r>
           </a:p>
           <a:p>
             <a:pPr lvl="1"/>
             <a:r>
-              <a:rPr lang="en-US" smtClean="0"/>
+              <a:rPr lang="en-US"/>
               <a:t>Second level</a:t>
             </a:r>
           </a:p>
           <a:p>
             <a:pPr lvl="2"/>
             <a:r>
-              <a:rPr lang="en-US" smtClean="0"/>
+              <a:rPr lang="en-US"/>
               <a:t>Third level</a:t>
             </a:r>
           </a:p>
           <a:p>
             <a:pPr lvl="3"/>
             <a:r>
-              <a:rPr lang="en-US" smtClean="0"/>
+              <a:rPr lang="en-US"/>
               <a:t>Fourth level</a:t>
             </a:r>
           </a:p>
           <a:p>
             <a:pPr lvl="4"/>
             <a:r>
-              <a:rPr lang="en-US" smtClean="0"/>
+              <a:rPr lang="en-US"/>
               <a:t>Fifth level</a:t>
             </a:r>
             <a:endParaRPr lang="en-US" dirty="0"/>
@@ -2930,7 +2862,7 @@
           <a:p>
             <a:fld id="{39F36CA6-E391-41F0-95CD-79A87C1710AC}" type="datetimeFigureOut">
               <a:rPr lang="en-IN" smtClean="0"/>
-              <a:t>01-11-2022</a:t>
+              <a:t>18-11-2022</a:t>
             </a:fld>
             <a:endParaRPr lang="en-IN"/>
           </a:p>
@@ -2987,13 +2919,6 @@
     <p:sldLayoutId id="2147483754" r:id="rId10"/>
     <p:sldLayoutId id="2147483755" r:id="rId11"/>
   </p:sldLayoutIdLst>
-  <p:timing>
-    <p:tnLst>
-      <p:par>
-        <p:cTn id="1" dur="indefinite" restart="never" nodeType="tmRoot"/>
-      </p:par>
-    </p:tnLst>
-  </p:timing>
   <p:txStyles>
     <p:titleStyle>
       <a:lvl1pPr algn="r" defTabSz="914400" rtl="0" eaLnBrk="1" latinLnBrk="0" hangingPunct="1">
@@ -3363,11 +3288,11 @@
           <a:p>
             <a:pPr algn="l"/>
             <a:r>
-              <a:rPr lang="en-US" sz="4000" b="1" i="1" dirty="0" err="1" smtClean="0"/>
+              <a:rPr lang="en-US" sz="4000" b="1" i="1" dirty="0" err="1"/>
               <a:t>Quora</a:t>
             </a:r>
             <a:r>
-              <a:rPr lang="en-US" sz="4000" b="1" i="1" dirty="0" smtClean="0"/>
+              <a:rPr lang="en-US" sz="4000" b="1" i="1" dirty="0"/>
               <a:t> Question Pair Similarity</a:t>
             </a:r>
             <a:endParaRPr lang="en-IN" sz="4000" b="1" i="1" dirty="0"/>
@@ -3389,7 +3314,7 @@
                 <a14:useLocalDpi xmlns:a14="http://schemas.microsoft.com/office/drawing/2010/main" val="0"/>
               </a:ext>
               <a:ext uri="{96DAC541-7B7A-43D3-8B79-37D633B846F1}">
-                <asvg:svgBlip xmlns:asvg="http://schemas.microsoft.com/office/drawing/2016/SVG/main" xmlns="" r:embed="rId6"/>
+                <asvg:svgBlip xmlns:asvg="http://schemas.microsoft.com/office/drawing/2016/SVG/main" r:embed="rId3"/>
               </a:ext>
             </a:extLst>
           </a:blip>
@@ -3417,7 +3342,7 @@
           <p:nvPr/>
         </p:nvPicPr>
         <p:blipFill>
-          <a:blip r:embed="rId7">
+          <a:blip r:embed="rId4">
             <a:extLst>
               <a:ext uri="{28A0092B-C50C-407E-A947-70E740481C1C}">
                 <a14:useLocalDpi xmlns:a14="http://schemas.microsoft.com/office/drawing/2010/main" val="0"/>
@@ -3482,13 +3407,6 @@
   <p:clrMapOvr>
     <a:masterClrMapping/>
   </p:clrMapOvr>
-  <p:timing>
-    <p:tnLst>
-      <p:par>
-        <p:cTn id="1" dur="indefinite" restart="never" nodeType="tmRoot"/>
-      </p:par>
-    </p:tnLst>
-  </p:timing>
 </p:sld>
 </file>
 
@@ -3613,7 +3531,7 @@
           <a:lstStyle/>
           <a:p>
             <a:r>
-              <a:rPr lang="en-US" sz="2400" dirty="0" smtClean="0">
+              <a:rPr lang="en-US" sz="2400" dirty="0">
                 <a:solidFill>
                   <a:schemeClr val="bg1"/>
                 </a:solidFill>
@@ -3623,18 +3541,13 @@
           </a:p>
           <a:p>
             <a:r>
-              <a:rPr lang="en-US" sz="1600" dirty="0" smtClean="0">
+              <a:rPr lang="en-US" sz="1600" dirty="0">
                 <a:solidFill>
                   <a:schemeClr val="bg1"/>
                 </a:solidFill>
               </a:rPr>
               <a:t>(Continued)</a:t>
             </a:r>
-            <a:endParaRPr lang="en-US" sz="1600" dirty="0">
-              <a:solidFill>
-                <a:schemeClr val="bg1"/>
-              </a:solidFill>
-            </a:endParaRPr>
           </a:p>
         </p:txBody>
       </p:sp>
@@ -3712,13 +3625,6 @@
   <p:clrMapOvr>
     <a:masterClrMapping/>
   </p:clrMapOvr>
-  <p:timing>
-    <p:tnLst>
-      <p:par>
-        <p:cTn id="1" dur="indefinite" restart="never" nodeType="tmRoot"/>
-      </p:par>
-    </p:tnLst>
-  </p:timing>
 </p:sld>
 </file>
 
@@ -3927,13 +3833,6 @@
   <p:clrMapOvr>
     <a:masterClrMapping/>
   </p:clrMapOvr>
-  <p:timing>
-    <p:tnLst>
-      <p:par>
-        <p:cTn id="1" dur="indefinite" restart="never" nodeType="tmRoot"/>
-      </p:par>
-    </p:tnLst>
-  </p:timing>
 </p:sld>
 </file>
 
@@ -4072,20 +3971,12 @@
           </a:p>
           <a:p>
             <a:r>
-              <a:rPr lang="en-US" sz="2400" dirty="0" smtClean="0">
+              <a:rPr lang="en-US" sz="2400" dirty="0">
                 <a:solidFill>
                   <a:schemeClr val="bg1"/>
                 </a:solidFill>
               </a:rPr>
-              <a:t>(</a:t>
-            </a:r>
-            <a:r>
-              <a:rPr lang="en-US" sz="2400" dirty="0">
-                <a:solidFill>
-                  <a:schemeClr val="bg1"/>
-                </a:solidFill>
-              </a:rPr>
-              <a:t>Similarly applying Stemming for Question 1 column test data and  Question 2 column on train and test data).</a:t>
+              <a:t>(Similarly applying Stemming for Question 1 column test data and  Question 2 column on train and test data).</a:t>
             </a:r>
           </a:p>
           <a:p>
@@ -4178,13 +4069,6 @@
   <p:clrMapOvr>
     <a:masterClrMapping/>
   </p:clrMapOvr>
-  <p:timing>
-    <p:tnLst>
-      <p:par>
-        <p:cTn id="1" dur="indefinite" restart="never" nodeType="tmRoot"/>
-      </p:par>
-    </p:tnLst>
-  </p:timing>
 </p:sld>
 </file>
 
@@ -4425,13 +4309,6 @@
   <p:clrMapOvr>
     <a:masterClrMapping/>
   </p:clrMapOvr>
-  <p:timing>
-    <p:tnLst>
-      <p:par>
-        <p:cTn id="1" dur="indefinite" restart="never" nodeType="tmRoot"/>
-      </p:par>
-    </p:tnLst>
-  </p:timing>
 </p:sld>
 </file>
 
@@ -4760,13 +4637,6 @@
   <p:clrMapOvr>
     <a:masterClrMapping/>
   </p:clrMapOvr>
-  <p:timing>
-    <p:tnLst>
-      <p:par>
-        <p:cTn id="1" dur="indefinite" restart="never" nodeType="tmRoot"/>
-      </p:par>
-    </p:tnLst>
-  </p:timing>
 </p:sld>
 </file>
 
@@ -5095,13 +4965,6 @@
   <p:clrMapOvr>
     <a:masterClrMapping/>
   </p:clrMapOvr>
-  <p:timing>
-    <p:tnLst>
-      <p:par>
-        <p:cTn id="1" dur="indefinite" restart="never" nodeType="tmRoot"/>
-      </p:par>
-    </p:tnLst>
-  </p:timing>
 </p:sld>
 </file>
 
@@ -5231,15 +5094,7 @@
                   <a:schemeClr val="bg1"/>
                 </a:solidFill>
               </a:rPr>
-              <a:t>Applying </a:t>
-            </a:r>
-            <a:r>
-              <a:rPr lang="en-US" sz="2400" dirty="0" smtClean="0">
-                <a:solidFill>
-                  <a:schemeClr val="bg1"/>
-                </a:solidFill>
-              </a:rPr>
-              <a:t>TF-IDF on </a:t>
+              <a:t>Applying TF-IDF on </a:t>
             </a:r>
             <a:r>
               <a:rPr lang="en-US" sz="2400" dirty="0" err="1">
@@ -5350,13 +5205,6 @@
   <p:clrMapOvr>
     <a:masterClrMapping/>
   </p:clrMapOvr>
-  <p:timing>
-    <p:tnLst>
-      <p:par>
-        <p:cTn id="1" dur="indefinite" restart="never" nodeType="tmRoot"/>
-      </p:par>
-    </p:tnLst>
-  </p:timing>
 </p:sld>
 </file>
 
@@ -5518,26 +5366,18 @@
                   <a:schemeClr val="bg1"/>
                 </a:solidFill>
               </a:rPr>
-              <a:t> algorithms </a:t>
-            </a:r>
-            <a:r>
-              <a:rPr lang="en-US" dirty="0" smtClean="0">
+              <a:t> algorithms on </a:t>
+            </a:r>
+            <a:r>
+              <a:rPr lang="en-US" b="1" dirty="0">
                 <a:solidFill>
                   <a:schemeClr val="bg1"/>
                 </a:solidFill>
               </a:rPr>
-              <a:t>on </a:t>
-            </a:r>
-            <a:r>
-              <a:rPr lang="en-US" b="1" dirty="0" smtClean="0">
-                <a:solidFill>
-                  <a:schemeClr val="bg1"/>
-                </a:solidFill>
-              </a:rPr>
               <a:t>TF-IDF </a:t>
             </a:r>
             <a:r>
-              <a:rPr lang="en-US" b="1" dirty="0" err="1" smtClean="0">
+              <a:rPr lang="en-US" b="1" dirty="0" err="1">
                 <a:solidFill>
                   <a:schemeClr val="bg1"/>
                 </a:solidFill>
@@ -5693,13 +5533,6 @@
   <p:clrMapOvr>
     <a:masterClrMapping/>
   </p:clrMapOvr>
-  <p:timing>
-    <p:tnLst>
-      <p:par>
-        <p:cTn id="1" dur="indefinite" restart="never" nodeType="tmRoot"/>
-      </p:par>
-    </p:tnLst>
-  </p:timing>
 </p:sld>
 </file>
 
@@ -5864,7 +5697,7 @@
               <a:t> algorithms on </a:t>
             </a:r>
             <a:r>
-              <a:rPr lang="en-US" b="1" dirty="0" smtClean="0">
+              <a:rPr lang="en-US" b="1" dirty="0">
                 <a:solidFill>
                   <a:schemeClr val="bg1"/>
                 </a:solidFill>
@@ -6028,13 +5861,6 @@
   <p:clrMapOvr>
     <a:masterClrMapping/>
   </p:clrMapOvr>
-  <p:timing>
-    <p:tnLst>
-      <p:par>
-        <p:cTn id="1" dur="indefinite" restart="never" nodeType="tmRoot"/>
-      </p:par>
-    </p:tnLst>
-  </p:timing>
 </p:sld>
 </file>
 
@@ -6164,15 +5990,7 @@
                   <a:schemeClr val="bg1"/>
                 </a:solidFill>
               </a:rPr>
-              <a:t>Applying </a:t>
-            </a:r>
-            <a:r>
-              <a:rPr lang="en-US" sz="2400" dirty="0" smtClean="0">
-                <a:solidFill>
-                  <a:schemeClr val="bg1"/>
-                </a:solidFill>
-              </a:rPr>
-              <a:t>Word2Vec on </a:t>
+              <a:t>Applying Word2Vec on </a:t>
             </a:r>
             <a:r>
               <a:rPr lang="en-US" sz="2400" dirty="0" err="1">
@@ -6283,13 +6101,6 @@
   <p:clrMapOvr>
     <a:masterClrMapping/>
   </p:clrMapOvr>
-  <p:timing>
-    <p:tnLst>
-      <p:par>
-        <p:cTn id="1" dur="indefinite" restart="never" nodeType="tmRoot"/>
-      </p:par>
-    </p:tnLst>
-  </p:timing>
 </p:sld>
 </file>
 
@@ -6333,7 +6144,7 @@
           <a:lstStyle/>
           <a:p>
             <a:r>
-              <a:rPr lang="en-US" sz="3200" b="1" i="1" dirty="0" smtClean="0">
+              <a:rPr lang="en-US" sz="3200" b="1" i="1" dirty="0">
                 <a:solidFill>
                   <a:schemeClr val="tx1">
                     <a:lumMod val="85000"/>
@@ -6380,7 +6191,7 @@
               <a:buAutoNum type="arabicParenR"/>
             </a:pPr>
             <a:r>
-              <a:rPr lang="en-US" sz="1600" b="1" i="1" dirty="0" err="1" smtClean="0">
+              <a:rPr lang="en-US" sz="1600" b="1" i="1" dirty="0">
                 <a:solidFill>
                   <a:schemeClr val="tx1">
                     <a:lumMod val="65000"/>
@@ -6388,10 +6199,15 @@
                   </a:schemeClr>
                 </a:solidFill>
               </a:rPr>
-              <a:t>Afif</a:t>
-            </a:r>
-            <a:r>
-              <a:rPr lang="en-US" sz="1600" b="1" i="1" dirty="0" smtClean="0">
+              <a:t>Chekuri Nikhil</a:t>
+            </a:r>
+          </a:p>
+          <a:p>
+            <a:pPr marL="457200" indent="-457200" algn="l">
+              <a:buAutoNum type="arabicParenR"/>
+            </a:pPr>
+            <a:r>
+              <a:rPr lang="en-US" sz="1600" b="1" i="1" dirty="0" err="1">
                 <a:solidFill>
                   <a:schemeClr val="tx1">
                     <a:lumMod val="65000"/>
@@ -6399,10 +6215,10 @@
                   </a:schemeClr>
                 </a:solidFill>
               </a:rPr>
-              <a:t> </a:t>
-            </a:r>
-            <a:r>
-              <a:rPr lang="en-US" sz="1600" b="1" i="1" dirty="0" err="1" smtClean="0">
+              <a:t>Cinthiya</a:t>
+            </a:r>
+            <a:r>
+              <a:rPr lang="en-US" sz="1600" b="1" i="1" dirty="0">
                 <a:solidFill>
                   <a:schemeClr val="tx1">
                     <a:lumMod val="65000"/>
@@ -6410,9 +6226,47 @@
                   </a:schemeClr>
                 </a:solidFill>
               </a:rPr>
-              <a:t>Jetham</a:t>
-            </a:r>
-            <a:endParaRPr lang="en-US" sz="1600" b="1" i="1" dirty="0" smtClean="0">
+              <a:t> M</a:t>
+            </a:r>
+          </a:p>
+          <a:p>
+            <a:pPr marL="457200" indent="-457200" algn="l">
+              <a:buAutoNum type="arabicParenR"/>
+            </a:pPr>
+            <a:r>
+              <a:rPr lang="en-US" sz="1600" b="1" i="1" dirty="0" err="1">
+                <a:solidFill>
+                  <a:schemeClr val="tx1">
+                    <a:lumMod val="65000"/>
+                    <a:lumOff val="35000"/>
+                  </a:schemeClr>
+                </a:solidFill>
+              </a:rPr>
+              <a:t>Avinash</a:t>
+            </a:r>
+            <a:r>
+              <a:rPr lang="en-US" sz="1600" b="1" i="1" dirty="0">
+                <a:solidFill>
+                  <a:schemeClr val="tx1">
+                    <a:lumMod val="65000"/>
+                    <a:lumOff val="35000"/>
+                  </a:schemeClr>
+                </a:solidFill>
+              </a:rPr>
+              <a:t> </a:t>
+            </a:r>
+            <a:r>
+              <a:rPr lang="en-US" sz="1600" b="1" i="1" dirty="0" err="1">
+                <a:solidFill>
+                  <a:schemeClr val="tx1">
+                    <a:lumMod val="65000"/>
+                    <a:lumOff val="35000"/>
+                  </a:schemeClr>
+                </a:solidFill>
+              </a:rPr>
+              <a:t>Durugkar</a:t>
+            </a:r>
+            <a:endParaRPr lang="en-US" sz="1600" b="1" i="1" dirty="0">
               <a:solidFill>
                 <a:schemeClr val="tx1">
                   <a:lumMod val="65000"/>
@@ -6422,124 +6276,8 @@
             </a:endParaRPr>
           </a:p>
           <a:p>
-            <a:pPr marL="457200" indent="-457200" algn="l">
-              <a:buAutoNum type="arabicParenR"/>
-            </a:pPr>
-            <a:r>
-              <a:rPr lang="en-US" sz="1600" b="1" i="1" dirty="0" err="1" smtClean="0">
-                <a:solidFill>
-                  <a:schemeClr val="tx1">
-                    <a:lumMod val="65000"/>
-                    <a:lumOff val="35000"/>
-                  </a:schemeClr>
-                </a:solidFill>
-              </a:rPr>
-              <a:t>Omkar</a:t>
-            </a:r>
-            <a:r>
-              <a:rPr lang="en-US" sz="1600" b="1" i="1" dirty="0" smtClean="0">
-                <a:solidFill>
-                  <a:schemeClr val="tx1">
-                    <a:lumMod val="65000"/>
-                    <a:lumOff val="35000"/>
-                  </a:schemeClr>
-                </a:solidFill>
-              </a:rPr>
-              <a:t> Barge</a:t>
-            </a:r>
-          </a:p>
-          <a:p>
-            <a:pPr marL="457200" indent="-457200" algn="l">
-              <a:buAutoNum type="arabicParenR"/>
-            </a:pPr>
-            <a:r>
-              <a:rPr lang="en-US" sz="1600" b="1" i="1" dirty="0" err="1" smtClean="0">
-                <a:solidFill>
-                  <a:schemeClr val="tx1">
-                    <a:lumMod val="65000"/>
-                    <a:lumOff val="35000"/>
-                  </a:schemeClr>
-                </a:solidFill>
-              </a:rPr>
-              <a:t>D.Veena</a:t>
-            </a:r>
-            <a:r>
-              <a:rPr lang="en-US" sz="1600" b="1" i="1" dirty="0" smtClean="0">
-                <a:solidFill>
-                  <a:schemeClr val="tx1">
-                    <a:lumMod val="65000"/>
-                    <a:lumOff val="35000"/>
-                  </a:schemeClr>
-                </a:solidFill>
-              </a:rPr>
-              <a:t> Grace</a:t>
-            </a:r>
-          </a:p>
-          <a:p>
-            <a:pPr marL="457200" indent="-457200" algn="l">
-              <a:buAutoNum type="arabicParenR"/>
-            </a:pPr>
-            <a:r>
-              <a:rPr lang="en-US" sz="1600" b="1" i="1" dirty="0" err="1" smtClean="0">
-                <a:solidFill>
-                  <a:schemeClr val="tx1">
-                    <a:lumMod val="65000"/>
-                    <a:lumOff val="35000"/>
-                  </a:schemeClr>
-                </a:solidFill>
-              </a:rPr>
-              <a:t>Monalika</a:t>
-            </a:r>
-            <a:r>
-              <a:rPr lang="en-US" sz="1600" b="1" i="1" dirty="0" smtClean="0">
-                <a:solidFill>
-                  <a:schemeClr val="tx1">
-                    <a:lumMod val="65000"/>
-                    <a:lumOff val="35000"/>
-                  </a:schemeClr>
-                </a:solidFill>
-              </a:rPr>
-              <a:t> Gupta</a:t>
-            </a:r>
-          </a:p>
-          <a:p>
-            <a:pPr marL="457200" indent="-457200" algn="l">
-              <a:buAutoNum type="arabicParenR"/>
-            </a:pPr>
-            <a:r>
-              <a:rPr lang="en-US" sz="1600" b="1" i="1" dirty="0" err="1" smtClean="0">
-                <a:solidFill>
-                  <a:schemeClr val="tx1">
-                    <a:lumMod val="65000"/>
-                    <a:lumOff val="35000"/>
-                  </a:schemeClr>
-                </a:solidFill>
-              </a:rPr>
-              <a:t>Indramani</a:t>
-            </a:r>
-            <a:r>
-              <a:rPr lang="en-US" sz="1600" b="1" i="1" dirty="0" smtClean="0">
-                <a:solidFill>
-                  <a:schemeClr val="tx1">
-                    <a:lumMod val="65000"/>
-                    <a:lumOff val="35000"/>
-                  </a:schemeClr>
-                </a:solidFill>
-              </a:rPr>
-              <a:t> </a:t>
-            </a:r>
-            <a:r>
-              <a:rPr lang="en-US" sz="1600" b="1" i="1" dirty="0" err="1" smtClean="0">
-                <a:solidFill>
-                  <a:schemeClr val="tx1">
-                    <a:lumMod val="65000"/>
-                    <a:lumOff val="35000"/>
-                  </a:schemeClr>
-                </a:solidFill>
-              </a:rPr>
-              <a:t>Shukla</a:t>
-            </a:r>
-            <a:endParaRPr lang="en-US" sz="1600" b="1" i="1" dirty="0" smtClean="0">
+            <a:pPr algn="l"/>
+            <a:endParaRPr lang="en-US" sz="1600" b="1" i="1" dirty="0">
               <a:solidFill>
                 <a:schemeClr val="tx1">
                   <a:lumMod val="65000"/>
@@ -6565,7 +6303,7 @@
                 <a14:useLocalDpi xmlns:a14="http://schemas.microsoft.com/office/drawing/2010/main" val="0"/>
               </a:ext>
               <a:ext uri="{96DAC541-7B7A-43D3-8B79-37D633B846F1}">
-                <asvg:svgBlip xmlns:asvg="http://schemas.microsoft.com/office/drawing/2016/SVG/main" xmlns="" r:embed="rId5"/>
+                <asvg:svgBlip xmlns:asvg="http://schemas.microsoft.com/office/drawing/2016/SVG/main" r:embed="rId3"/>
               </a:ext>
             </a:extLst>
           </a:blip>
@@ -6611,7 +6349,7 @@
               <a:buChar char="§"/>
             </a:pPr>
             <a:r>
-              <a:rPr lang="en-US" sz="1600" dirty="0" smtClean="0">
+              <a:rPr lang="en-US" sz="1600" dirty="0">
                 <a:solidFill>
                   <a:schemeClr val="tx1">
                     <a:lumMod val="85000"/>
@@ -6623,7 +6361,7 @@
               <a:t>Under the Guidance of </a:t>
             </a:r>
             <a:r>
-              <a:rPr lang="en-US" sz="1600" dirty="0" err="1" smtClean="0">
+              <a:rPr lang="en-US" sz="1600" dirty="0" err="1">
                 <a:solidFill>
                   <a:schemeClr val="tx1">
                     <a:lumMod val="85000"/>
@@ -6635,7 +6373,7 @@
               <a:t>Kanav</a:t>
             </a:r>
             <a:r>
-              <a:rPr lang="en-US" sz="1600" dirty="0" smtClean="0">
+              <a:rPr lang="en-US" sz="1600" dirty="0">
                 <a:solidFill>
                   <a:schemeClr val="tx1">
                     <a:lumMod val="85000"/>
@@ -6647,7 +6385,7 @@
               <a:t> </a:t>
             </a:r>
             <a:r>
-              <a:rPr lang="en-US" sz="1600" dirty="0" err="1" smtClean="0">
+              <a:rPr lang="en-US" sz="1600" dirty="0" err="1">
                 <a:solidFill>
                   <a:schemeClr val="tx1">
                     <a:lumMod val="85000"/>
@@ -6659,7 +6397,7 @@
               <a:t>Bansal</a:t>
             </a:r>
             <a:r>
-              <a:rPr lang="en-US" sz="1600" dirty="0" smtClean="0">
+              <a:rPr lang="en-US" sz="1600" dirty="0">
                 <a:solidFill>
                   <a:schemeClr val="tx1">
                     <a:lumMod val="85000"/>
@@ -6671,7 +6409,7 @@
               <a:t>, </a:t>
             </a:r>
             <a:r>
-              <a:rPr lang="en-US" sz="1600" dirty="0" err="1" smtClean="0">
+              <a:rPr lang="en-US" sz="1600" dirty="0" err="1">
                 <a:solidFill>
                   <a:schemeClr val="tx1">
                     <a:lumMod val="85000"/>
@@ -6683,7 +6421,7 @@
               <a:t>Sandhya</a:t>
             </a:r>
             <a:r>
-              <a:rPr lang="en-US" sz="1600" dirty="0" smtClean="0">
+              <a:rPr lang="en-US" sz="1600" dirty="0">
                 <a:solidFill>
                   <a:schemeClr val="tx1">
                     <a:lumMod val="85000"/>
@@ -6695,7 +6433,7 @@
               <a:t> and </a:t>
             </a:r>
             <a:r>
-              <a:rPr lang="en-US" sz="1600" dirty="0" err="1" smtClean="0">
+              <a:rPr lang="en-US" sz="1600" dirty="0" err="1">
                 <a:solidFill>
                   <a:schemeClr val="tx1">
                     <a:lumMod val="85000"/>
@@ -6707,7 +6445,7 @@
               <a:t>Abhilash</a:t>
             </a:r>
             <a:r>
-              <a:rPr lang="en-US" sz="1600" dirty="0" smtClean="0">
+              <a:rPr lang="en-US" sz="1600" dirty="0">
                 <a:solidFill>
                   <a:schemeClr val="tx1">
                     <a:lumMod val="85000"/>
@@ -6730,7 +6468,7 @@
           <p:nvPr/>
         </p:nvPicPr>
         <p:blipFill>
-          <a:blip r:embed="rId6">
+          <a:blip r:embed="rId4">
             <a:extLst>
               <a:ext uri="{28A0092B-C50C-407E-A947-70E740481C1C}">
                 <a14:useLocalDpi xmlns:a14="http://schemas.microsoft.com/office/drawing/2010/main" val="0"/>
@@ -6795,13 +6533,6 @@
   <p:clrMapOvr>
     <a:masterClrMapping/>
   </p:clrMapOvr>
-  <p:timing>
-    <p:tnLst>
-      <p:par>
-        <p:cTn id="1" dur="indefinite" restart="never" nodeType="tmRoot"/>
-      </p:par>
-    </p:tnLst>
-  </p:timing>
 </p:sld>
 </file>
 
@@ -6947,58 +6678,18 @@
                   <a:schemeClr val="bg1"/>
                 </a:solidFill>
               </a:rPr>
-              <a:t> using Logistic Regression, Decision </a:t>
-            </a:r>
-            <a:r>
-              <a:rPr lang="en-US" dirty="0" smtClean="0">
+              <a:t> using Logistic Regression, Decision Tree and Random Forest algorithms on </a:t>
+            </a:r>
+            <a:r>
+              <a:rPr lang="en-US" b="1" dirty="0">
                 <a:solidFill>
                   <a:schemeClr val="bg1"/>
                 </a:solidFill>
               </a:rPr>
-              <a:t>Tree and </a:t>
-            </a:r>
-            <a:r>
-              <a:rPr lang="en-US" dirty="0">
-                <a:solidFill>
-                  <a:schemeClr val="bg1"/>
-                </a:solidFill>
-              </a:rPr>
-              <a:t>Random </a:t>
-            </a:r>
-            <a:r>
-              <a:rPr lang="en-US" dirty="0" smtClean="0">
-                <a:solidFill>
-                  <a:schemeClr val="bg1"/>
-                </a:solidFill>
-              </a:rPr>
-              <a:t>Forest </a:t>
-            </a:r>
-            <a:r>
-              <a:rPr lang="en-US" dirty="0">
-                <a:solidFill>
-                  <a:schemeClr val="bg1"/>
-                </a:solidFill>
-              </a:rPr>
-              <a:t>algorithms </a:t>
-            </a:r>
-            <a:r>
-              <a:rPr lang="en-US" dirty="0" smtClean="0">
-                <a:solidFill>
-                  <a:schemeClr val="bg1"/>
-                </a:solidFill>
-              </a:rPr>
-              <a:t>on </a:t>
-            </a:r>
-            <a:r>
-              <a:rPr lang="en-US" b="1" dirty="0" smtClean="0">
-                <a:solidFill>
-                  <a:schemeClr val="bg1"/>
-                </a:solidFill>
-              </a:rPr>
               <a:t>Word2Vec  </a:t>
             </a:r>
             <a:r>
-              <a:rPr lang="en-US" b="1" dirty="0" err="1" smtClean="0">
+              <a:rPr lang="en-US" b="1" dirty="0" err="1">
                 <a:solidFill>
                   <a:schemeClr val="bg1"/>
                 </a:solidFill>
@@ -7154,13 +6845,6 @@
   <p:clrMapOvr>
     <a:masterClrMapping/>
   </p:clrMapOvr>
-  <p:timing>
-    <p:tnLst>
-      <p:par>
-        <p:cTn id="1" dur="indefinite" restart="never" nodeType="tmRoot"/>
-      </p:par>
-    </p:tnLst>
-  </p:timing>
 </p:sld>
 </file>
 
@@ -7306,42 +6990,10 @@
                   <a:schemeClr val="bg1"/>
                 </a:solidFill>
               </a:rPr>
-              <a:t> using Logistic Regression, Decision </a:t>
-            </a:r>
-            <a:r>
-              <a:rPr lang="en-US" dirty="0" smtClean="0">
-                <a:solidFill>
-                  <a:schemeClr val="bg1"/>
-                </a:solidFill>
-              </a:rPr>
-              <a:t>Tree and </a:t>
-            </a:r>
-            <a:r>
-              <a:rPr lang="en-US" dirty="0">
-                <a:solidFill>
-                  <a:schemeClr val="bg1"/>
-                </a:solidFill>
-              </a:rPr>
-              <a:t>Random </a:t>
-            </a:r>
-            <a:r>
-              <a:rPr lang="en-US" dirty="0" smtClean="0">
-                <a:solidFill>
-                  <a:schemeClr val="bg1"/>
-                </a:solidFill>
-              </a:rPr>
-              <a:t>Forest </a:t>
-            </a:r>
-            <a:r>
-              <a:rPr lang="en-US" dirty="0">
-                <a:solidFill>
-                  <a:schemeClr val="bg1"/>
-                </a:solidFill>
-              </a:rPr>
-              <a:t>algorithms on </a:t>
-            </a:r>
-            <a:r>
-              <a:rPr lang="en-US" b="1" dirty="0" smtClean="0">
+              <a:t> using Logistic Regression, Decision Tree and Random Forest algorithms on </a:t>
+            </a:r>
+            <a:r>
+              <a:rPr lang="en-US" b="1" dirty="0">
                 <a:solidFill>
                   <a:schemeClr val="bg1"/>
                 </a:solidFill>
@@ -7441,13 +7093,6 @@
   <p:clrMapOvr>
     <a:masterClrMapping/>
   </p:clrMapOvr>
-  <p:timing>
-    <p:tnLst>
-      <p:par>
-        <p:cTn id="1" dur="indefinite" restart="never" nodeType="tmRoot"/>
-      </p:par>
-    </p:tnLst>
-  </p:timing>
 </p:sld>
 </file>
 
@@ -7577,15 +7222,7 @@
                   <a:schemeClr val="bg1"/>
                 </a:solidFill>
               </a:rPr>
-              <a:t>Applying </a:t>
-            </a:r>
-            <a:r>
-              <a:rPr lang="en-US" sz="2400" dirty="0" smtClean="0">
-                <a:solidFill>
-                  <a:schemeClr val="bg1"/>
-                </a:solidFill>
-              </a:rPr>
-              <a:t>Glove on </a:t>
+              <a:t>Applying Glove on </a:t>
             </a:r>
             <a:r>
               <a:rPr lang="en-US" sz="2400" dirty="0" err="1">
@@ -7696,13 +7333,6 @@
   <p:clrMapOvr>
     <a:masterClrMapping/>
   </p:clrMapOvr>
-  <p:timing>
-    <p:tnLst>
-      <p:par>
-        <p:cTn id="1" dur="indefinite" restart="never" nodeType="tmRoot"/>
-      </p:par>
-    </p:tnLst>
-  </p:timing>
 </p:sld>
 </file>
 
@@ -7848,58 +7478,18 @@
                   <a:schemeClr val="bg1"/>
                 </a:solidFill>
               </a:rPr>
-              <a:t> using Logistic Regression, Decision </a:t>
-            </a:r>
-            <a:r>
-              <a:rPr lang="en-US" dirty="0" smtClean="0">
+              <a:t> using Logistic Regression, Decision Tree and Random Forest algorithms on </a:t>
+            </a:r>
+            <a:r>
+              <a:rPr lang="en-US" b="1" dirty="0">
                 <a:solidFill>
                   <a:schemeClr val="bg1"/>
                 </a:solidFill>
               </a:rPr>
-              <a:t>Tree and </a:t>
-            </a:r>
-            <a:r>
-              <a:rPr lang="en-US" dirty="0">
-                <a:solidFill>
-                  <a:schemeClr val="bg1"/>
-                </a:solidFill>
-              </a:rPr>
-              <a:t>Random </a:t>
-            </a:r>
-            <a:r>
-              <a:rPr lang="en-US" dirty="0" smtClean="0">
-                <a:solidFill>
-                  <a:schemeClr val="bg1"/>
-                </a:solidFill>
-              </a:rPr>
-              <a:t>Forest </a:t>
-            </a:r>
-            <a:r>
-              <a:rPr lang="en-US" dirty="0">
-                <a:solidFill>
-                  <a:schemeClr val="bg1"/>
-                </a:solidFill>
-              </a:rPr>
-              <a:t>algorithms </a:t>
-            </a:r>
-            <a:r>
-              <a:rPr lang="en-US" dirty="0" smtClean="0">
-                <a:solidFill>
-                  <a:schemeClr val="bg1"/>
-                </a:solidFill>
-              </a:rPr>
-              <a:t>on </a:t>
-            </a:r>
-            <a:r>
-              <a:rPr lang="en-US" b="1" dirty="0" smtClean="0">
-                <a:solidFill>
-                  <a:schemeClr val="bg1"/>
-                </a:solidFill>
-              </a:rPr>
               <a:t>Glove  </a:t>
             </a:r>
             <a:r>
-              <a:rPr lang="en-US" b="1" dirty="0" err="1" smtClean="0">
+              <a:rPr lang="en-US" b="1" dirty="0" err="1">
                 <a:solidFill>
                   <a:schemeClr val="bg1"/>
                 </a:solidFill>
@@ -8055,13 +7645,6 @@
   <p:clrMapOvr>
     <a:masterClrMapping/>
   </p:clrMapOvr>
-  <p:timing>
-    <p:tnLst>
-      <p:par>
-        <p:cTn id="1" dur="indefinite" restart="never" nodeType="tmRoot"/>
-      </p:par>
-    </p:tnLst>
-  </p:timing>
 </p:sld>
 </file>
 
@@ -8207,42 +7790,10 @@
                   <a:schemeClr val="bg1"/>
                 </a:solidFill>
               </a:rPr>
-              <a:t> using Logistic Regression, Decision </a:t>
-            </a:r>
-            <a:r>
-              <a:rPr lang="en-US" dirty="0" smtClean="0">
-                <a:solidFill>
-                  <a:schemeClr val="bg1"/>
-                </a:solidFill>
-              </a:rPr>
-              <a:t>Tree and </a:t>
-            </a:r>
-            <a:r>
-              <a:rPr lang="en-US" dirty="0">
-                <a:solidFill>
-                  <a:schemeClr val="bg1"/>
-                </a:solidFill>
-              </a:rPr>
-              <a:t>Random </a:t>
-            </a:r>
-            <a:r>
-              <a:rPr lang="en-US" dirty="0" smtClean="0">
-                <a:solidFill>
-                  <a:schemeClr val="bg1"/>
-                </a:solidFill>
-              </a:rPr>
-              <a:t>Forest </a:t>
-            </a:r>
-            <a:r>
-              <a:rPr lang="en-US" dirty="0">
-                <a:solidFill>
-                  <a:schemeClr val="bg1"/>
-                </a:solidFill>
-              </a:rPr>
-              <a:t>algorithms on </a:t>
-            </a:r>
-            <a:r>
-              <a:rPr lang="en-US" b="1" dirty="0" smtClean="0">
+              <a:t> using Logistic Regression, Decision Tree and Random Forest algorithms on </a:t>
+            </a:r>
+            <a:r>
+              <a:rPr lang="en-US" b="1" dirty="0">
                 <a:solidFill>
                   <a:schemeClr val="bg1"/>
                 </a:solidFill>
@@ -8342,13 +7893,6 @@
   <p:clrMapOvr>
     <a:masterClrMapping/>
   </p:clrMapOvr>
-  <p:timing>
-    <p:tnLst>
-      <p:par>
-        <p:cTn id="1" dur="indefinite" restart="never" nodeType="tmRoot"/>
-      </p:par>
-    </p:tnLst>
-  </p:timing>
 </p:sld>
 </file>
 
@@ -8473,7 +8017,7 @@
           <a:lstStyle/>
           <a:p>
             <a:r>
-              <a:rPr lang="en-US" sz="2400" dirty="0" smtClean="0">
+              <a:rPr lang="en-US" sz="2400" dirty="0">
                 <a:solidFill>
                   <a:schemeClr val="bg1"/>
                 </a:solidFill>
@@ -8481,7 +8025,7 @@
               <a:t>Experiment Tracking using </a:t>
             </a:r>
             <a:r>
-              <a:rPr lang="en-US" sz="2400" dirty="0" err="1" smtClean="0">
+              <a:rPr lang="en-US" sz="2400" dirty="0" err="1">
                 <a:solidFill>
                   <a:schemeClr val="bg1"/>
                 </a:solidFill>
@@ -8489,18 +8033,13 @@
               <a:t>MLflow</a:t>
             </a:r>
             <a:r>
-              <a:rPr lang="en-US" sz="2400" dirty="0" smtClean="0">
+              <a:rPr lang="en-US" sz="2400" dirty="0">
                 <a:solidFill>
                   <a:schemeClr val="bg1"/>
                 </a:solidFill>
               </a:rPr>
               <a:t>:</a:t>
             </a:r>
-            <a:endParaRPr lang="en-US" sz="2400" dirty="0">
-              <a:solidFill>
-                <a:schemeClr val="bg1"/>
-              </a:solidFill>
-            </a:endParaRPr>
           </a:p>
         </p:txBody>
       </p:sp>
@@ -8578,13 +8117,6 @@
   <p:clrMapOvr>
     <a:masterClrMapping/>
   </p:clrMapOvr>
-  <p:timing>
-    <p:tnLst>
-      <p:par>
-        <p:cTn id="1" dur="indefinite" restart="never" nodeType="tmRoot"/>
-      </p:par>
-    </p:tnLst>
-  </p:timing>
 </p:sld>
 </file>
 
@@ -8709,18 +8241,13 @@
           <a:lstStyle/>
           <a:p>
             <a:r>
-              <a:rPr lang="en-US" sz="2400" dirty="0" smtClean="0">
+              <a:rPr lang="en-US" sz="2400" dirty="0">
                 <a:solidFill>
                   <a:schemeClr val="bg1"/>
                 </a:solidFill>
               </a:rPr>
               <a:t>Breaking code into production ready script:</a:t>
             </a:r>
-            <a:endParaRPr lang="en-US" sz="2400" dirty="0">
-              <a:solidFill>
-                <a:schemeClr val="bg1"/>
-              </a:solidFill>
-            </a:endParaRPr>
           </a:p>
         </p:txBody>
       </p:sp>
@@ -8798,13 +8325,6 @@
   <p:clrMapOvr>
     <a:masterClrMapping/>
   </p:clrMapOvr>
-  <p:timing>
-    <p:tnLst>
-      <p:par>
-        <p:cTn id="1" dur="indefinite" restart="never" nodeType="tmRoot"/>
-      </p:par>
-    </p:tnLst>
-  </p:timing>
 </p:sld>
 </file>
 
@@ -8929,18 +8449,13 @@
           <a:lstStyle/>
           <a:p>
             <a:r>
-              <a:rPr lang="en-US" sz="2400" dirty="0" smtClean="0">
+              <a:rPr lang="en-US" sz="2400" dirty="0">
                 <a:solidFill>
                   <a:schemeClr val="bg1"/>
                 </a:solidFill>
               </a:rPr>
               <a:t>OBSERVATION:</a:t>
             </a:r>
-            <a:endParaRPr lang="en-US" sz="2400" dirty="0">
-              <a:solidFill>
-                <a:schemeClr val="bg1"/>
-              </a:solidFill>
-            </a:endParaRPr>
           </a:p>
         </p:txBody>
       </p:sp>
@@ -8967,35 +8482,35 @@
           <a:lstStyle/>
           <a:p>
             <a:r>
-              <a:rPr lang="en-IN" sz="2000" dirty="0" smtClean="0"/>
+              <a:rPr lang="en-IN" sz="2000" dirty="0"/>
               <a:t>According to all the Experiments which we performed on different </a:t>
             </a:r>
             <a:r>
-              <a:rPr lang="en-IN" sz="2000" dirty="0" err="1" smtClean="0"/>
+              <a:rPr lang="en-IN" sz="2000" dirty="0" err="1"/>
               <a:t>Vectorization</a:t>
             </a:r>
             <a:r>
-              <a:rPr lang="en-IN" sz="2000" dirty="0" smtClean="0"/>
+              <a:rPr lang="en-IN" sz="2000" dirty="0"/>
               <a:t> Techniques such as BOW, TF-IDF, Word2Vec and Glove using different algorithms.</a:t>
             </a:r>
           </a:p>
           <a:p>
             <a:r>
-              <a:rPr lang="en-IN" sz="2000" dirty="0" smtClean="0"/>
+              <a:rPr lang="en-IN" sz="2000" dirty="0"/>
               <a:t>We observed that Logistic Regression algorithm on W2V  </a:t>
             </a:r>
             <a:r>
-              <a:rPr lang="en-IN" sz="2000" dirty="0" err="1" smtClean="0"/>
+              <a:rPr lang="en-IN" sz="2000" dirty="0" err="1"/>
               <a:t>Vectorization</a:t>
             </a:r>
             <a:r>
-              <a:rPr lang="en-IN" sz="2000" dirty="0" smtClean="0"/>
+              <a:rPr lang="en-IN" sz="2000" dirty="0"/>
               <a:t> Technique is giving the better accuracy compared to the rest of the models.</a:t>
             </a:r>
           </a:p>
           <a:p>
             <a:r>
-              <a:rPr lang="en-IN" sz="2000" dirty="0" smtClean="0"/>
+              <a:rPr lang="en-IN" sz="2000" dirty="0"/>
               <a:t>Thus, we broke our code into production ready scripts using this model.</a:t>
             </a:r>
             <a:endParaRPr lang="en-IN" dirty="0"/>
@@ -9012,13 +8527,6 @@
   <p:clrMapOvr>
     <a:masterClrMapping/>
   </p:clrMapOvr>
-  <p:timing>
-    <p:tnLst>
-      <p:par>
-        <p:cTn id="1" dur="indefinite" restart="never" nodeType="tmRoot"/>
-      </p:par>
-    </p:tnLst>
-  </p:timing>
 </p:sld>
 </file>
 
@@ -9143,18 +8651,13 @@
           <a:lstStyle/>
           <a:p>
             <a:r>
-              <a:rPr lang="en-US" sz="2400" dirty="0" smtClean="0">
+              <a:rPr lang="en-US" sz="2400" dirty="0">
                 <a:solidFill>
                   <a:schemeClr val="bg1"/>
                 </a:solidFill>
               </a:rPr>
               <a:t>FUTURE SCOPE:</a:t>
             </a:r>
-            <a:endParaRPr lang="en-US" sz="2400" dirty="0">
-              <a:solidFill>
-                <a:schemeClr val="bg1"/>
-              </a:solidFill>
-            </a:endParaRPr>
           </a:p>
         </p:txBody>
       </p:sp>
@@ -9186,19 +8689,7 @@
             </a:pPr>
             <a:r>
               <a:rPr lang="en-US" sz="2000" dirty="0"/>
-              <a:t>This project technique is useful for any type of question answer </a:t>
-            </a:r>
-            <a:r>
-              <a:rPr lang="en-US" sz="2000" dirty="0" smtClean="0"/>
-              <a:t>website. The </a:t>
-            </a:r>
-            <a:r>
-              <a:rPr lang="en-US" sz="2000" dirty="0"/>
-              <a:t>main advantage behind the project is to manage duplicate questions which help sites to free up some more </a:t>
-            </a:r>
-            <a:r>
-              <a:rPr lang="en-US" sz="2000" dirty="0" smtClean="0"/>
-              <a:t>space, and also can clear up the confusion and make it easier for the end user by displaying all the answers of the similar questions to the input question at a single place.</a:t>
+              <a:t>This project technique is useful for any type of question answer website. The main advantage behind the project is to manage duplicate questions which help sites to free up some more space, and also can clear up the confusion and make it easier for the end user by displaying all the answers of the similar questions to the input question at a single place.</a:t>
             </a:r>
             <a:endParaRPr lang="en-IN" dirty="0"/>
           </a:p>
@@ -9214,13 +8705,6 @@
   <p:clrMapOvr>
     <a:masterClrMapping/>
   </p:clrMapOvr>
-  <p:timing>
-    <p:tnLst>
-      <p:par>
-        <p:cTn id="1" dur="indefinite" restart="never" nodeType="tmRoot"/>
-      </p:par>
-    </p:tnLst>
-  </p:timing>
 </p:sld>
 </file>
 
@@ -9271,7 +8755,7 @@
                 <a14:useLocalDpi xmlns:a14="http://schemas.microsoft.com/office/drawing/2010/main" val="0"/>
               </a:ext>
               <a:ext uri="{96DAC541-7B7A-43D3-8B79-37D633B846F1}">
-                <asvg:svgBlip xmlns:asvg="http://schemas.microsoft.com/office/drawing/2016/SVG/main" xmlns="" r:embed="rId4"/>
+                <asvg:svgBlip xmlns:asvg="http://schemas.microsoft.com/office/drawing/2016/SVG/main" r:embed="rId3"/>
               </a:ext>
             </a:extLst>
           </a:blip>
@@ -9299,13 +8783,13 @@
           <p:nvPr/>
         </p:nvPicPr>
         <p:blipFill>
-          <a:blip r:embed="rId5">
+          <a:blip r:embed="rId4">
             <a:extLst>
               <a:ext uri="{28A0092B-C50C-407E-A947-70E740481C1C}">
                 <a14:useLocalDpi xmlns:a14="http://schemas.microsoft.com/office/drawing/2010/main" val="0"/>
               </a:ext>
               <a:ext uri="{96DAC541-7B7A-43D3-8B79-37D633B846F1}">
-                <asvg:svgBlip xmlns:asvg="http://schemas.microsoft.com/office/drawing/2016/SVG/main" xmlns="" r:embed="rId6"/>
+                <asvg:svgBlip xmlns:asvg="http://schemas.microsoft.com/office/drawing/2016/SVG/main" r:embed="rId5"/>
               </a:ext>
             </a:extLst>
           </a:blip>
@@ -9371,7 +8855,7 @@
           <p:nvPr/>
         </p:nvPicPr>
         <p:blipFill>
-          <a:blip r:embed="rId7">
+          <a:blip r:embed="rId6">
             <a:extLst>
               <a:ext uri="{28A0092B-C50C-407E-A947-70E740481C1C}">
                 <a14:useLocalDpi xmlns:a14="http://schemas.microsoft.com/office/drawing/2010/main" val="0"/>
@@ -9436,13 +8920,6 @@
   <p:clrMapOvr>
     <a:masterClrMapping/>
   </p:clrMapOvr>
-  <p:timing>
-    <p:tnLst>
-      <p:par>
-        <p:cTn id="1" dur="indefinite" restart="never" nodeType="tmRoot"/>
-      </p:par>
-    </p:tnLst>
-  </p:timing>
 </p:sld>
 </file>
 
@@ -9679,13 +9156,6 @@
   <p:clrMapOvr>
     <a:masterClrMapping/>
   </p:clrMapOvr>
-  <p:timing>
-    <p:tnLst>
-      <p:par>
-        <p:cTn id="1" dur="indefinite" restart="never" nodeType="tmRoot"/>
-      </p:par>
-    </p:tnLst>
-  </p:timing>
 </p:sld>
 </file>
 
@@ -9732,7 +9202,7 @@
               <a:buNone/>
             </a:pPr>
             <a:r>
-              <a:rPr lang="en-US" sz="3000" dirty="0" smtClean="0">
+              <a:rPr lang="en-US" sz="3000" dirty="0">
                 <a:solidFill>
                   <a:schemeClr val="tx1">
                     <a:lumMod val="65000"/>
@@ -9749,7 +9219,7 @@
               <a:buNone/>
             </a:pPr>
             <a:r>
-              <a:rPr lang="en-US" sz="2000" dirty="0" smtClean="0">
+              <a:rPr lang="en-US" sz="2000" dirty="0">
                 <a:solidFill>
                   <a:schemeClr val="tx1">
                     <a:lumMod val="75000"/>
@@ -9757,10 +9227,10 @@
                   </a:schemeClr>
                 </a:solidFill>
               </a:rPr>
-              <a:t>Identify </a:t>
-            </a:r>
-            <a:r>
-              <a:rPr lang="en-US" sz="2000" dirty="0">
+              <a:t>Identify which questions asked on </a:t>
+            </a:r>
+            <a:r>
+              <a:rPr lang="en-US" sz="2000" dirty="0" err="1">
                 <a:solidFill>
                   <a:schemeClr val="tx1">
                     <a:lumMod val="75000"/>
@@ -9768,10 +9238,10 @@
                   </a:schemeClr>
                 </a:solidFill>
               </a:rPr>
-              <a:t>which questions asked on </a:t>
-            </a:r>
-            <a:r>
-              <a:rPr lang="en-US" sz="2000" dirty="0" err="1">
+              <a:t>Quora</a:t>
+            </a:r>
+            <a:r>
+              <a:rPr lang="en-US" sz="2000" dirty="0">
                 <a:solidFill>
                   <a:schemeClr val="tx1">
                     <a:lumMod val="75000"/>
@@ -9779,29 +9249,7 @@
                   </a:schemeClr>
                 </a:solidFill>
               </a:rPr>
-              <a:t>Quora</a:t>
-            </a:r>
-            <a:r>
-              <a:rPr lang="en-US" sz="2000" dirty="0">
-                <a:solidFill>
-                  <a:schemeClr val="tx1">
-                    <a:lumMod val="75000"/>
-                    <a:lumOff val="25000"/>
-                  </a:schemeClr>
-                </a:solidFill>
-              </a:rPr>
-              <a:t> are duplicates of questions that have already been asked</a:t>
-            </a:r>
-            <a:r>
-              <a:rPr lang="en-US" sz="2000" dirty="0" smtClean="0">
-                <a:solidFill>
-                  <a:schemeClr val="tx1">
-                    <a:lumMod val="75000"/>
-                    <a:lumOff val="25000"/>
-                  </a:schemeClr>
-                </a:solidFill>
-              </a:rPr>
-              <a:t>.</a:t>
+              <a:t> are duplicates of questions that have already been asked.</a:t>
             </a:r>
           </a:p>
           <a:p>
@@ -9831,19 +9279,7 @@
                 </a:solidFill>
                 <a:latin typeface="+mj-lt"/>
               </a:rPr>
-              <a:t>Domain</a:t>
-            </a:r>
-            <a:r>
-              <a:rPr lang="en-US" sz="3000" dirty="0" smtClean="0">
-                <a:solidFill>
-                  <a:schemeClr val="tx1">
-                    <a:lumMod val="65000"/>
-                    <a:lumOff val="35000"/>
-                  </a:schemeClr>
-                </a:solidFill>
-                <a:latin typeface="+mj-lt"/>
-              </a:rPr>
-              <a:t>:</a:t>
+              <a:t>Domain:</a:t>
             </a:r>
           </a:p>
           <a:p>
@@ -9859,18 +9295,7 @@
                   </a:schemeClr>
                 </a:solidFill>
               </a:rPr>
-              <a:t>Social Network</a:t>
-            </a:r>
-            <a:r>
-              <a:rPr lang="en-US" sz="2000" dirty="0" smtClean="0">
-                <a:solidFill>
-                  <a:schemeClr val="tx1">
-                    <a:lumMod val="75000"/>
-                    <a:lumOff val="25000"/>
-                  </a:schemeClr>
-                </a:solidFill>
-              </a:rPr>
-              <a:t>.</a:t>
+              <a:t>Social Network.</a:t>
             </a:r>
           </a:p>
           <a:p>
@@ -9897,19 +9322,7 @@
                 </a:solidFill>
                 <a:latin typeface="+mj-lt"/>
               </a:rPr>
-              <a:t>Prerequisites</a:t>
-            </a:r>
-            <a:r>
-              <a:rPr lang="en-US" sz="3000" dirty="0" smtClean="0">
-                <a:solidFill>
-                  <a:schemeClr val="tx1">
-                    <a:lumMod val="65000"/>
-                    <a:lumOff val="35000"/>
-                  </a:schemeClr>
-                </a:solidFill>
-                <a:latin typeface="+mj-lt"/>
-              </a:rPr>
-              <a:t>:</a:t>
+              <a:t>Prerequisites:</a:t>
             </a:r>
           </a:p>
           <a:p>
@@ -9922,21 +9335,8 @@
                   <a:srgbClr val="000000"/>
                 </a:solidFill>
               </a:rPr>
-              <a:t>Python programing language, Machine Learning, NLP and MLOPs</a:t>
-            </a:r>
-            <a:r>
-              <a:rPr lang="en-US" sz="2000" dirty="0" smtClean="0">
-                <a:solidFill>
-                  <a:srgbClr val="000000"/>
-                </a:solidFill>
-              </a:rPr>
-              <a:t>.</a:t>
-            </a:r>
-            <a:endParaRPr lang="en-US" sz="2000" dirty="0">
-              <a:solidFill>
-                <a:srgbClr val="000000"/>
-              </a:solidFill>
-            </a:endParaRPr>
+              <a:t>Python programing language, Machine Learning, NLP and MLOPs.</a:t>
+            </a:r>
           </a:p>
         </p:txBody>
       </p:sp>
@@ -9950,13 +9350,6 @@
   <p:clrMapOvr>
     <a:masterClrMapping/>
   </p:clrMapOvr>
-  <p:timing>
-    <p:tnLst>
-      <p:par>
-        <p:cTn id="1" dur="indefinite" restart="never" nodeType="tmRoot"/>
-      </p:par>
-    </p:tnLst>
-  </p:timing>
 </p:sld>
 </file>
 
@@ -10003,7 +9396,7 @@
               <a:buNone/>
             </a:pPr>
             <a:r>
-              <a:rPr lang="en-US" sz="2400" dirty="0" smtClean="0">
+              <a:rPr lang="en-US" sz="2400" dirty="0">
                 <a:solidFill>
                   <a:schemeClr val="tx1">
                     <a:lumMod val="65000"/>
@@ -10013,47 +9406,21 @@
               </a:rPr>
               <a:t>Data link:</a:t>
             </a:r>
-            <a:endParaRPr lang="en-US" sz="2400" dirty="0">
-              <a:solidFill>
-                <a:schemeClr val="tx1">
-                  <a:lumMod val="65000"/>
-                  <a:lumOff val="35000"/>
-                </a:schemeClr>
-              </a:solidFill>
-            </a:endParaRPr>
           </a:p>
           <a:p>
             <a:pPr marL="0" indent="0">
               <a:buNone/>
             </a:pPr>
             <a:r>
-              <a:rPr lang="en-US" sz="2000" i="1" dirty="0" smtClean="0">
+              <a:rPr lang="en-US" sz="2000" i="1" dirty="0">
                 <a:solidFill>
                   <a:srgbClr val="2E2E2E"/>
                 </a:solidFill>
                 <a:hlinkClick r:id="rId2"/>
               </a:rPr>
-              <a:t>https</a:t>
-            </a:r>
-            <a:r>
-              <a:rPr lang="en-US" sz="2000" i="1" dirty="0">
-                <a:solidFill>
-                  <a:srgbClr val="2E2E2E"/>
-                </a:solidFill>
-                <a:hlinkClick r:id="rId2"/>
-              </a:rPr>
-              <a:t>://</a:t>
-            </a:r>
-            <a:r>
-              <a:rPr lang="en-US" sz="2000" i="1" dirty="0" smtClean="0">
-                <a:solidFill>
-                  <a:srgbClr val="2E2E2E"/>
-                </a:solidFill>
-                <a:hlinkClick r:id="rId2"/>
-              </a:rPr>
-              <a:t>github.com/Koorimikiran369/Quora-Question-Pairing/blob/main/train.csv.zip</a:t>
-            </a:r>
-            <a:endParaRPr lang="en-US" sz="2000" i="1" dirty="0" smtClean="0">
+              <a:t>https://github.com/Koorimikiran369/Quora-Question-Pairing/blob/main/train.csv.zip</a:t>
+            </a:r>
+            <a:endParaRPr lang="en-US" sz="2000" i="1" dirty="0">
               <a:solidFill>
                 <a:srgbClr val="2E2E2E"/>
               </a:solidFill>
@@ -10063,7 +9430,7 @@
             <a:pPr marL="0" indent="0">
               <a:buNone/>
             </a:pPr>
-            <a:endParaRPr lang="en-US" sz="1300" dirty="0" smtClean="0">
+            <a:endParaRPr lang="en-US" sz="1300" dirty="0">
               <a:solidFill>
                 <a:schemeClr val="tx1">
                   <a:lumMod val="75000"/>
@@ -10077,7 +9444,7 @@
               <a:buNone/>
             </a:pPr>
             <a:r>
-              <a:rPr lang="en-US" sz="2400" dirty="0" smtClean="0">
+              <a:rPr lang="en-US" sz="2400" dirty="0">
                 <a:solidFill>
                   <a:schemeClr val="tx1">
                     <a:lumMod val="65000"/>
@@ -10087,14 +9454,6 @@
               </a:rPr>
               <a:t>Data Overview:</a:t>
             </a:r>
-            <a:endParaRPr lang="en-US" sz="2400" dirty="0">
-              <a:solidFill>
-                <a:schemeClr val="tx1">
-                  <a:lumMod val="65000"/>
-                  <a:lumOff val="35000"/>
-                </a:schemeClr>
-              </a:solidFill>
-            </a:endParaRPr>
           </a:p>
           <a:p>
             <a:pPr marL="561344" lvl="1" indent="-280672">
@@ -10112,17 +9471,36 @@
                   </a:schemeClr>
                 </a:solidFill>
               </a:rPr>
-              <a:t>Data will be in a file </a:t>
-            </a:r>
-            <a:r>
-              <a:rPr lang="en-US" sz="2000" dirty="0" smtClean="0">
+              <a:t>Data will be in a file Train.csv</a:t>
+            </a:r>
+          </a:p>
+          <a:p>
+            <a:pPr marL="561344" lvl="1" indent="-280672">
+              <a:lnSpc>
+                <a:spcPts val="3640"/>
+              </a:lnSpc>
+              <a:buFont typeface="Arial"/>
+              <a:buChar char="•"/>
+            </a:pPr>
+            <a:r>
+              <a:rPr lang="en-US" sz="2000" dirty="0">
                 <a:solidFill>
                   <a:schemeClr val="bg2">
                     <a:lumMod val="25000"/>
                   </a:schemeClr>
                 </a:solidFill>
               </a:rPr>
-              <a:t>Train.csv</a:t>
+              <a:t>Train.csv contains 5 columns : qid1, qid2, question1, question2, </a:t>
+            </a:r>
+            <a:r>
+              <a:rPr lang="en-US" sz="2000" dirty="0" err="1">
+                <a:solidFill>
+                  <a:schemeClr val="bg2">
+                    <a:lumMod val="25000"/>
+                  </a:schemeClr>
+                </a:solidFill>
+              </a:rPr>
+              <a:t>is_duplicate</a:t>
             </a:r>
             <a:endParaRPr lang="en-US" sz="2000" dirty="0">
               <a:solidFill>
@@ -10148,42 +9526,6 @@
                   </a:schemeClr>
                 </a:solidFill>
               </a:rPr>
-              <a:t>Train.csv contains 5 columns : qid1, qid2, question1, question2, </a:t>
-            </a:r>
-            <a:r>
-              <a:rPr lang="en-US" sz="2000" dirty="0" err="1">
-                <a:solidFill>
-                  <a:schemeClr val="bg2">
-                    <a:lumMod val="25000"/>
-                  </a:schemeClr>
-                </a:solidFill>
-              </a:rPr>
-              <a:t>is_duplicate</a:t>
-            </a:r>
-            <a:endParaRPr lang="en-US" sz="2000" dirty="0">
-              <a:solidFill>
-                <a:schemeClr val="bg2">
-                  <a:lumMod val="25000"/>
-                </a:schemeClr>
-              </a:solidFill>
-            </a:endParaRPr>
-          </a:p>
-          <a:p>
-            <a:pPr marL="561344" lvl="1" indent="-280672">
-              <a:lnSpc>
-                <a:spcPts val="3640"/>
-              </a:lnSpc>
-              <a:buFont typeface="Arial"/>
-              <a:buChar char="•"/>
-            </a:pPr>
-            <a:r>
-              <a:rPr lang="en-US" sz="2000" dirty="0">
-                <a:solidFill>
-                  <a:schemeClr val="bg2">
-                    <a:lumMod val="25000"/>
-                  </a:schemeClr>
-                </a:solidFill>
-              </a:rPr>
               <a:t>Number of rows in Train.csv = 404,290</a:t>
             </a:r>
           </a:p>
@@ -10192,7 +9534,7 @@
               <a:buNone/>
             </a:pPr>
             <a:r>
-              <a:rPr lang="en-US" sz="2400" dirty="0" smtClean="0">
+              <a:rPr lang="en-US" sz="2400" dirty="0">
                 <a:solidFill>
                   <a:schemeClr val="tx1">
                     <a:lumMod val="65000"/>
@@ -10360,13 +9702,6 @@
   <p:clrMapOvr>
     <a:masterClrMapping/>
   </p:clrMapOvr>
-  <p:timing>
-    <p:tnLst>
-      <p:par>
-        <p:cTn id="1" dur="indefinite" restart="never" nodeType="tmRoot"/>
-      </p:par>
-    </p:tnLst>
-  </p:timing>
 </p:sld>
 </file>
 
@@ -10492,14 +9827,14 @@
           <a:p>
             <a:pPr algn="ctr"/>
             <a:r>
-              <a:rPr lang="en-US" sz="3000" dirty="0" smtClean="0">
+              <a:rPr lang="en-US" sz="3000" dirty="0">
                 <a:solidFill>
                   <a:schemeClr val="bg1"/>
                 </a:solidFill>
               </a:rPr>
               <a:t>STEPS AND TECHNIQUES THAT ARE USED</a:t>
             </a:r>
-            <a:endParaRPr lang="en-IN" sz="3000" dirty="0" smtClean="0">
+            <a:endParaRPr lang="en-IN" sz="3000" dirty="0">
               <a:solidFill>
                 <a:schemeClr val="bg1"/>
               </a:solidFill>
@@ -10695,13 +10030,6 @@
   <p:clrMapOvr>
     <a:masterClrMapping/>
   </p:clrMapOvr>
-  <p:timing>
-    <p:tnLst>
-      <p:par>
-        <p:cTn id="1" dur="indefinite" restart="never" nodeType="tmRoot"/>
-      </p:par>
-    </p:tnLst>
-  </p:timing>
 </p:sld>
 </file>
 
@@ -10928,7 +10256,7 @@
           <a:lstStyle/>
           <a:p>
             <a:r>
-              <a:rPr lang="en-US" dirty="0" smtClean="0">
+              <a:rPr lang="en-US" dirty="0">
                 <a:latin typeface="Times New Roman" pitchFamily="18" charset="0"/>
                 <a:cs typeface="Times New Roman" pitchFamily="18" charset="0"/>
               </a:rPr>
@@ -10951,13 +10279,6 @@
   <p:clrMapOvr>
     <a:masterClrMapping/>
   </p:clrMapOvr>
-  <p:timing>
-    <p:tnLst>
-      <p:par>
-        <p:cTn id="1" dur="indefinite" restart="never" nodeType="tmRoot"/>
-      </p:par>
-    </p:tnLst>
-  </p:timing>
 </p:sld>
 </file>
 
@@ -11082,18 +10403,13 @@
           <a:lstStyle/>
           <a:p>
             <a:r>
-              <a:rPr lang="en-US" sz="2400" dirty="0" smtClean="0">
+              <a:rPr lang="en-US" sz="2400" dirty="0">
                 <a:solidFill>
                   <a:schemeClr val="bg1"/>
                 </a:solidFill>
               </a:rPr>
               <a:t>Ratio of Unique Questions and Repeated Questions:</a:t>
             </a:r>
-            <a:endParaRPr lang="en-US" sz="2400" dirty="0">
-              <a:solidFill>
-                <a:schemeClr val="bg1"/>
-              </a:solidFill>
-            </a:endParaRPr>
           </a:p>
         </p:txBody>
       </p:sp>
@@ -11171,13 +10487,6 @@
   <p:clrMapOvr>
     <a:masterClrMapping/>
   </p:clrMapOvr>
-  <p:timing>
-    <p:tnLst>
-      <p:par>
-        <p:cTn id="1" dur="indefinite" restart="never" nodeType="tmRoot"/>
-      </p:par>
-    </p:tnLst>
-  </p:timing>
 </p:sld>
 </file>
 
@@ -11302,18 +10611,13 @@
           <a:lstStyle/>
           <a:p>
             <a:r>
-              <a:rPr lang="en-US" sz="2400" dirty="0" smtClean="0">
+              <a:rPr lang="en-US" sz="2400" dirty="0">
                 <a:solidFill>
                   <a:schemeClr val="bg1"/>
                 </a:solidFill>
               </a:rPr>
               <a:t>Basic Feature Extraction:</a:t>
             </a:r>
-            <a:endParaRPr lang="en-US" sz="2400" dirty="0">
-              <a:solidFill>
-                <a:schemeClr val="bg1"/>
-              </a:solidFill>
-            </a:endParaRPr>
           </a:p>
         </p:txBody>
       </p:sp>
@@ -11391,13 +10695,6 @@
   <p:clrMapOvr>
     <a:masterClrMapping/>
   </p:clrMapOvr>
-  <p:timing>
-    <p:tnLst>
-      <p:par>
-        <p:cTn id="1" dur="indefinite" restart="never" nodeType="tmRoot"/>
-      </p:par>
-    </p:tnLst>
-  </p:timing>
 </p:sld>
 </file>
 
